--- a/figure/cc_architecture.pptx
+++ b/figure/cc_architecture.pptx
@@ -10,7 +10,7 @@
   <p:sldIdLst>
     <p:sldId id="299" r:id="rId2"/>
   </p:sldIdLst>
-  <p:sldSz cx="11112500" cy="8640763"/>
+  <p:sldSz cx="11112500" cy="7561263"/>
   <p:notesSz cx="6742113" cy="9872663"/>
   <p:defaultTextStyle>
     <a:defPPr>
@@ -140,7 +140,7 @@
   <p:extLst>
     <p:ext uri="{EFAFB233-063F-42B5-8137-9DF3F51BA10A}">
       <p15:sldGuideLst xmlns:p15="http://schemas.microsoft.com/office/powerpoint/2012/main">
-        <p15:guide id="1" orient="horz" pos="2722" userDrawn="1">
+        <p15:guide id="1" orient="horz" pos="2382" userDrawn="1">
           <p15:clr>
             <a:srgbClr val="A4A3A4"/>
           </p15:clr>
@@ -369,8 +369,8 @@
         </p:nvSpPr>
         <p:spPr bwMode="auto">
           <a:xfrm>
-            <a:off x="992188" y="739775"/>
-            <a:ext cx="4762500" cy="3703638"/>
+            <a:off x="652463" y="739775"/>
+            <a:ext cx="5441950" cy="3703638"/>
           </a:xfrm>
           <a:prstGeom prst="rect">
             <a:avLst/>
@@ -860,8 +860,8 @@
         </p:nvSpPr>
         <p:spPr>
           <a:xfrm>
-            <a:off x="833440" y="2684246"/>
-            <a:ext cx="9445625" cy="1852164"/>
+            <a:off x="833441" y="2348900"/>
+            <a:ext cx="9445625" cy="1620771"/>
           </a:xfrm>
         </p:spPr>
         <p:txBody>
@@ -888,8 +888,8 @@
         </p:nvSpPr>
         <p:spPr>
           <a:xfrm>
-            <a:off x="1666882" y="4896433"/>
-            <a:ext cx="7778747" cy="2208195"/>
+            <a:off x="1666883" y="4284717"/>
+            <a:ext cx="7778747" cy="1932323"/>
           </a:xfrm>
         </p:spPr>
         <p:txBody>
@@ -1012,7 +1012,7 @@
           <a:p>
             <a:fld id="{E90ED720-0104-4369-84BC-D37694168613}" type="datetimeFigureOut">
               <a:rPr kumimoji="1" lang="ja-JP" altLang="en-US" smtClean="0"/>
-              <a:t>2017/1/15</a:t>
+              <a:t>2017/4/7</a:t>
             </a:fld>
             <a:endParaRPr kumimoji="1" lang="ja-JP" altLang="en-US"/>
           </a:p>
@@ -1214,7 +1214,7 @@
           <a:p>
             <a:fld id="{E90ED720-0104-4369-84BC-D37694168613}" type="datetimeFigureOut">
               <a:rPr kumimoji="1" lang="ja-JP" altLang="en-US" smtClean="0"/>
-              <a:t>2017/1/15</a:t>
+              <a:t>2017/4/7</a:t>
             </a:fld>
             <a:endParaRPr kumimoji="1" lang="ja-JP" altLang="en-US"/>
           </a:p>
@@ -1304,8 +1304,8 @@
         </p:nvSpPr>
         <p:spPr>
           <a:xfrm>
-            <a:off x="8056563" y="346043"/>
-            <a:ext cx="2500313" cy="7372651"/>
+            <a:off x="8056564" y="302812"/>
+            <a:ext cx="2500313" cy="6451578"/>
           </a:xfrm>
         </p:spPr>
         <p:txBody>
@@ -1332,8 +1332,8 @@
         </p:nvSpPr>
         <p:spPr>
           <a:xfrm>
-            <a:off x="555631" y="346043"/>
-            <a:ext cx="7315728" cy="7372651"/>
+            <a:off x="555631" y="302812"/>
+            <a:ext cx="7315728" cy="6451578"/>
           </a:xfrm>
         </p:spPr>
         <p:txBody>
@@ -1426,7 +1426,7 @@
           <a:p>
             <a:fld id="{E90ED720-0104-4369-84BC-D37694168613}" type="datetimeFigureOut">
               <a:rPr kumimoji="1" lang="ja-JP" altLang="en-US" smtClean="0"/>
-              <a:t>2017/1/15</a:t>
+              <a:t>2017/4/7</a:t>
             </a:fld>
             <a:endParaRPr kumimoji="1" lang="ja-JP" altLang="en-US"/>
           </a:p>
@@ -1628,7 +1628,7 @@
           <a:p>
             <a:fld id="{E90ED720-0104-4369-84BC-D37694168613}" type="datetimeFigureOut">
               <a:rPr kumimoji="1" lang="ja-JP" altLang="en-US" smtClean="0"/>
-              <a:t>2017/1/15</a:t>
+              <a:t>2017/4/7</a:t>
             </a:fld>
             <a:endParaRPr kumimoji="1" lang="ja-JP" altLang="en-US"/>
           </a:p>
@@ -1718,8 +1718,8 @@
         </p:nvSpPr>
         <p:spPr>
           <a:xfrm>
-            <a:off x="877812" y="5552501"/>
-            <a:ext cx="9445625" cy="1716152"/>
+            <a:off x="877813" y="4858821"/>
+            <a:ext cx="9445625" cy="1501751"/>
           </a:xfrm>
         </p:spPr>
         <p:txBody>
@@ -1750,8 +1750,8 @@
         </p:nvSpPr>
         <p:spPr>
           <a:xfrm>
-            <a:off x="877812" y="3662326"/>
-            <a:ext cx="9445625" cy="1890166"/>
+            <a:off x="877813" y="3204788"/>
+            <a:ext cx="9445625" cy="1654025"/>
           </a:xfrm>
         </p:spPr>
         <p:txBody>
@@ -1874,7 +1874,7 @@
           <a:p>
             <a:fld id="{E90ED720-0104-4369-84BC-D37694168613}" type="datetimeFigureOut">
               <a:rPr kumimoji="1" lang="ja-JP" altLang="en-US" smtClean="0"/>
-              <a:t>2017/1/15</a:t>
+              <a:t>2017/4/7</a:t>
             </a:fld>
             <a:endParaRPr kumimoji="1" lang="ja-JP" altLang="en-US"/>
           </a:p>
@@ -1987,8 +1987,8 @@
         </p:nvSpPr>
         <p:spPr>
           <a:xfrm>
-            <a:off x="555631" y="2016186"/>
-            <a:ext cx="4908022" cy="5702504"/>
+            <a:off x="555631" y="1764302"/>
+            <a:ext cx="4908022" cy="4990084"/>
           </a:xfrm>
         </p:spPr>
         <p:txBody>
@@ -2104,8 +2104,8 @@
         </p:nvSpPr>
         <p:spPr>
           <a:xfrm>
-            <a:off x="5648861" y="2016186"/>
-            <a:ext cx="4908022" cy="5702504"/>
+            <a:off x="5648861" y="1764302"/>
+            <a:ext cx="4908022" cy="4990084"/>
           </a:xfrm>
         </p:spPr>
         <p:txBody>
@@ -2226,7 +2226,7 @@
           <a:p>
             <a:fld id="{E90ED720-0104-4369-84BC-D37694168613}" type="datetimeFigureOut">
               <a:rPr kumimoji="1" lang="ja-JP" altLang="en-US" smtClean="0"/>
-              <a:t>2017/1/15</a:t>
+              <a:t>2017/4/7</a:t>
             </a:fld>
             <a:endParaRPr kumimoji="1" lang="ja-JP" altLang="en-US"/>
           </a:p>
@@ -2343,8 +2343,8 @@
         </p:nvSpPr>
         <p:spPr>
           <a:xfrm>
-            <a:off x="555630" y="1934172"/>
-            <a:ext cx="4909949" cy="806071"/>
+            <a:off x="555631" y="1692534"/>
+            <a:ext cx="4909949" cy="705368"/>
           </a:xfrm>
         </p:spPr>
         <p:txBody>
@@ -2408,8 +2408,8 @@
         </p:nvSpPr>
         <p:spPr>
           <a:xfrm>
-            <a:off x="555630" y="2740242"/>
-            <a:ext cx="4909949" cy="4978440"/>
+            <a:off x="555631" y="2397901"/>
+            <a:ext cx="4909949" cy="4356478"/>
           </a:xfrm>
         </p:spPr>
         <p:txBody>
@@ -2525,8 +2525,8 @@
         </p:nvSpPr>
         <p:spPr>
           <a:xfrm>
-            <a:off x="5644998" y="1934172"/>
-            <a:ext cx="4911878" cy="806071"/>
+            <a:off x="5644998" y="1692534"/>
+            <a:ext cx="4911878" cy="705368"/>
           </a:xfrm>
         </p:spPr>
         <p:txBody>
@@ -2590,8 +2590,8 @@
         </p:nvSpPr>
         <p:spPr>
           <a:xfrm>
-            <a:off x="5644998" y="2740242"/>
-            <a:ext cx="4911878" cy="4978440"/>
+            <a:off x="5644998" y="2397901"/>
+            <a:ext cx="4911878" cy="4356478"/>
           </a:xfrm>
         </p:spPr>
         <p:txBody>
@@ -2712,7 +2712,7 @@
           <a:p>
             <a:fld id="{E90ED720-0104-4369-84BC-D37694168613}" type="datetimeFigureOut">
               <a:rPr kumimoji="1" lang="ja-JP" altLang="en-US" smtClean="0"/>
-              <a:t>2017/1/15</a:t>
+              <a:t>2017/4/7</a:t>
             </a:fld>
             <a:endParaRPr kumimoji="1" lang="ja-JP" altLang="en-US"/>
           </a:p>
@@ -2830,7 +2830,7 @@
           <a:p>
             <a:fld id="{E90ED720-0104-4369-84BC-D37694168613}" type="datetimeFigureOut">
               <a:rPr kumimoji="1" lang="ja-JP" altLang="en-US" smtClean="0"/>
-              <a:t>2017/1/15</a:t>
+              <a:t>2017/4/7</a:t>
             </a:fld>
             <a:endParaRPr kumimoji="1" lang="ja-JP" altLang="en-US"/>
           </a:p>
@@ -2925,7 +2925,7 @@
           <a:p>
             <a:fld id="{E90ED720-0104-4369-84BC-D37694168613}" type="datetimeFigureOut">
               <a:rPr kumimoji="1" lang="ja-JP" altLang="en-US" smtClean="0"/>
-              <a:t>2017/1/15</a:t>
+              <a:t>2017/4/7</a:t>
             </a:fld>
             <a:endParaRPr kumimoji="1" lang="ja-JP" altLang="en-US"/>
           </a:p>
@@ -3015,8 +3015,8 @@
         </p:nvSpPr>
         <p:spPr>
           <a:xfrm>
-            <a:off x="555627" y="344033"/>
-            <a:ext cx="3655936" cy="1464129"/>
+            <a:off x="555627" y="301053"/>
+            <a:ext cx="3655936" cy="1281214"/>
           </a:xfrm>
         </p:spPr>
         <p:txBody>
@@ -3047,8 +3047,8 @@
         </p:nvSpPr>
         <p:spPr>
           <a:xfrm>
-            <a:off x="4344682" y="344041"/>
-            <a:ext cx="6212196" cy="7374652"/>
+            <a:off x="4344682" y="301059"/>
+            <a:ext cx="6212196" cy="6453329"/>
           </a:xfrm>
         </p:spPr>
         <p:txBody>
@@ -3164,8 +3164,8 @@
         </p:nvSpPr>
         <p:spPr>
           <a:xfrm>
-            <a:off x="555627" y="1808166"/>
-            <a:ext cx="3655936" cy="5910523"/>
+            <a:off x="555627" y="1582270"/>
+            <a:ext cx="3655936" cy="5172115"/>
           </a:xfrm>
         </p:spPr>
         <p:txBody>
@@ -3234,7 +3234,7 @@
           <a:p>
             <a:fld id="{E90ED720-0104-4369-84BC-D37694168613}" type="datetimeFigureOut">
               <a:rPr kumimoji="1" lang="ja-JP" altLang="en-US" smtClean="0"/>
-              <a:t>2017/1/15</a:t>
+              <a:t>2017/4/7</a:t>
             </a:fld>
             <a:endParaRPr kumimoji="1" lang="ja-JP" altLang="en-US"/>
           </a:p>
@@ -3324,8 +3324,8 @@
         </p:nvSpPr>
         <p:spPr>
           <a:xfrm>
-            <a:off x="2178131" y="6048534"/>
-            <a:ext cx="6667500" cy="714064"/>
+            <a:off x="2178131" y="5292884"/>
+            <a:ext cx="6667500" cy="624855"/>
           </a:xfrm>
         </p:spPr>
         <p:txBody>
@@ -3356,8 +3356,8 @@
         </p:nvSpPr>
         <p:spPr>
           <a:xfrm>
-            <a:off x="2178131" y="772068"/>
-            <a:ext cx="6667500" cy="5184458"/>
+            <a:off x="2178131" y="675613"/>
+            <a:ext cx="6667500" cy="4536758"/>
           </a:xfrm>
         </p:spPr>
         <p:txBody>
@@ -3417,8 +3417,8 @@
         </p:nvSpPr>
         <p:spPr>
           <a:xfrm>
-            <a:off x="2178131" y="6762600"/>
-            <a:ext cx="6667500" cy="1014089"/>
+            <a:off x="2178131" y="5917741"/>
+            <a:ext cx="6667500" cy="887398"/>
           </a:xfrm>
         </p:spPr>
         <p:txBody>
@@ -3487,7 +3487,7 @@
           <a:p>
             <a:fld id="{E90ED720-0104-4369-84BC-D37694168613}" type="datetimeFigureOut">
               <a:rPr kumimoji="1" lang="ja-JP" altLang="en-US" smtClean="0"/>
-              <a:t>2017/1/15</a:t>
+              <a:t>2017/4/7</a:t>
             </a:fld>
             <a:endParaRPr kumimoji="1" lang="ja-JP" altLang="en-US"/>
           </a:p>
@@ -3582,8 +3582,8 @@
         </p:nvSpPr>
         <p:spPr>
           <a:xfrm>
-            <a:off x="555629" y="346032"/>
-            <a:ext cx="10001253" cy="1440127"/>
+            <a:off x="555630" y="302802"/>
+            <a:ext cx="10001253" cy="1260210"/>
           </a:xfrm>
           <a:prstGeom prst="rect">
             <a:avLst/>
@@ -3615,8 +3615,8 @@
         </p:nvSpPr>
         <p:spPr>
           <a:xfrm>
-            <a:off x="555629" y="2016186"/>
-            <a:ext cx="10001253" cy="5702504"/>
+            <a:off x="555630" y="1764302"/>
+            <a:ext cx="10001253" cy="4990084"/>
           </a:xfrm>
           <a:prstGeom prst="rect">
             <a:avLst/>
@@ -3709,8 +3709,8 @@
         </p:nvSpPr>
         <p:spPr>
           <a:xfrm>
-            <a:off x="555629" y="8008719"/>
-            <a:ext cx="2592916" cy="460041"/>
+            <a:off x="555629" y="7008181"/>
+            <a:ext cx="2592916" cy="402568"/>
           </a:xfrm>
           <a:prstGeom prst="rect">
             <a:avLst/>
@@ -3732,7 +3732,7 @@
           <a:p>
             <a:fld id="{E90ED720-0104-4369-84BC-D37694168613}" type="datetimeFigureOut">
               <a:rPr kumimoji="1" lang="ja-JP" altLang="en-US" smtClean="0"/>
-              <a:t>2017/1/15</a:t>
+              <a:t>2017/4/7</a:t>
             </a:fld>
             <a:endParaRPr kumimoji="1" lang="ja-JP" altLang="en-US"/>
           </a:p>
@@ -3750,8 +3750,8 @@
         </p:nvSpPr>
         <p:spPr>
           <a:xfrm>
-            <a:off x="3796777" y="8008719"/>
-            <a:ext cx="3518961" cy="460041"/>
+            <a:off x="3796778" y="7008181"/>
+            <a:ext cx="3518961" cy="402568"/>
           </a:xfrm>
           <a:prstGeom prst="rect">
             <a:avLst/>
@@ -3787,8 +3787,8 @@
         </p:nvSpPr>
         <p:spPr>
           <a:xfrm>
-            <a:off x="7963964" y="8008719"/>
-            <a:ext cx="2592916" cy="460041"/>
+            <a:off x="7963964" y="7008181"/>
+            <a:ext cx="2592916" cy="402568"/>
           </a:xfrm>
           <a:prstGeom prst="rect">
             <a:avLst/>
@@ -4115,7 +4115,7 @@
         </p:nvSpPr>
         <p:spPr bwMode="auto">
           <a:xfrm>
-            <a:off x="4481243" y="1053715"/>
+            <a:off x="4481244" y="486534"/>
             <a:ext cx="6538257" cy="7000467"/>
           </a:xfrm>
           <a:prstGeom prst="rect">
@@ -4168,7 +4168,7 @@
         </p:nvGrpSpPr>
         <p:grpSpPr>
           <a:xfrm>
-            <a:off x="4746820" y="2388898"/>
+            <a:off x="4746820" y="1821717"/>
             <a:ext cx="2382704" cy="4490393"/>
             <a:chOff x="5849308" y="3559445"/>
             <a:chExt cx="2382704" cy="4490393"/>
@@ -9740,7 +9740,7 @@
         </p:nvGrpSpPr>
         <p:grpSpPr>
           <a:xfrm>
-            <a:off x="8451842" y="2388898"/>
+            <a:off x="8451842" y="1821717"/>
             <a:ext cx="2382704" cy="4490393"/>
             <a:chOff x="8294326" y="3559445"/>
             <a:chExt cx="2382704" cy="4490393"/>
@@ -15323,7 +15323,7 @@
         </p:nvGrpSpPr>
         <p:grpSpPr>
           <a:xfrm>
-            <a:off x="4694900" y="1170207"/>
+            <a:off x="4694901" y="603026"/>
             <a:ext cx="2477037" cy="1069673"/>
             <a:chOff x="2883327" y="182234"/>
             <a:chExt cx="1210171" cy="1069673"/>
@@ -16023,7 +16023,7 @@
         </p:nvGrpSpPr>
         <p:grpSpPr>
           <a:xfrm>
-            <a:off x="8277307" y="1170207"/>
+            <a:off x="8277307" y="603026"/>
             <a:ext cx="2742192" cy="1069673"/>
             <a:chOff x="2822820" y="182234"/>
             <a:chExt cx="1331188" cy="1069673"/>
@@ -16341,7 +16341,7 @@
         </p:nvSpPr>
         <p:spPr bwMode="auto">
           <a:xfrm flipV="1">
-            <a:off x="7249586" y="1170207"/>
+            <a:off x="7249586" y="603026"/>
             <a:ext cx="1042022" cy="5709083"/>
           </a:xfrm>
           <a:prstGeom prst="rect">
@@ -16404,7 +16404,7 @@
         </p:nvCxnSpPr>
         <p:spPr bwMode="auto">
           <a:xfrm flipV="1">
-            <a:off x="3486508" y="2388898"/>
+            <a:off x="3486508" y="1821717"/>
             <a:ext cx="1275626" cy="749971"/>
           </a:xfrm>
           <a:prstGeom prst="line">
@@ -16444,7 +16444,7 @@
         </p:nvCxnSpPr>
         <p:spPr bwMode="auto">
           <a:xfrm flipV="1">
-            <a:off x="3496004" y="3458570"/>
+            <a:off x="3496005" y="2891388"/>
             <a:ext cx="2398289" cy="3718900"/>
           </a:xfrm>
           <a:prstGeom prst="line">
@@ -16484,7 +16484,7 @@
         </p:nvSpPr>
         <p:spPr bwMode="auto">
           <a:xfrm>
-            <a:off x="76687" y="3138867"/>
+            <a:off x="76688" y="2571685"/>
             <a:ext cx="3373881" cy="4084814"/>
           </a:xfrm>
           <a:prstGeom prst="rect">
@@ -16537,7 +16537,7 @@
         </p:nvGrpSpPr>
         <p:grpSpPr>
           <a:xfrm>
-            <a:off x="123142" y="3253580"/>
+            <a:off x="123143" y="2686398"/>
             <a:ext cx="3291487" cy="3749156"/>
             <a:chOff x="8554943" y="1660002"/>
             <a:chExt cx="3103724" cy="3535285"/>
@@ -17511,7 +17511,7 @@
         </p:nvGrpSpPr>
         <p:grpSpPr>
           <a:xfrm>
-            <a:off x="4746820" y="7011838"/>
+            <a:off x="4746820" y="6444656"/>
             <a:ext cx="6087726" cy="949522"/>
             <a:chOff x="4974195" y="1166823"/>
             <a:chExt cx="6087726" cy="930813"/>
@@ -18890,7 +18890,7 @@
         </p:nvSpPr>
         <p:spPr bwMode="auto">
           <a:xfrm>
-            <a:off x="5533099" y="440023"/>
+            <a:off x="5533099" y="-19526"/>
             <a:ext cx="4425782" cy="429069"/>
           </a:xfrm>
           <a:prstGeom prst="rect">
@@ -19108,7 +19108,7 @@
         </p:nvCxnSpPr>
         <p:spPr bwMode="auto">
           <a:xfrm flipV="1">
-            <a:off x="3449943" y="1189886"/>
+            <a:off x="3449943" y="622705"/>
             <a:ext cx="1304536" cy="1940111"/>
           </a:xfrm>
           <a:prstGeom prst="line">
@@ -19148,7 +19148,7 @@
         </p:nvCxnSpPr>
         <p:spPr bwMode="auto">
           <a:xfrm flipV="1">
-            <a:off x="3449943" y="2244245"/>
+            <a:off x="3449943" y="1677064"/>
             <a:ext cx="3662418" cy="4979437"/>
           </a:xfrm>
           <a:prstGeom prst="line">

--- a/figure/cc_architecture.pptx
+++ b/figure/cc_architecture.pptx
@@ -1012,7 +1012,7 @@
           <a:p>
             <a:fld id="{E90ED720-0104-4369-84BC-D37694168613}" type="datetimeFigureOut">
               <a:rPr kumimoji="1" lang="ja-JP" altLang="en-US" smtClean="0"/>
-              <a:t>2017/4/7</a:t>
+              <a:t>2017/4/8</a:t>
             </a:fld>
             <a:endParaRPr kumimoji="1" lang="ja-JP" altLang="en-US"/>
           </a:p>
@@ -1214,7 +1214,7 @@
           <a:p>
             <a:fld id="{E90ED720-0104-4369-84BC-D37694168613}" type="datetimeFigureOut">
               <a:rPr kumimoji="1" lang="ja-JP" altLang="en-US" smtClean="0"/>
-              <a:t>2017/4/7</a:t>
+              <a:t>2017/4/8</a:t>
             </a:fld>
             <a:endParaRPr kumimoji="1" lang="ja-JP" altLang="en-US"/>
           </a:p>
@@ -1426,7 +1426,7 @@
           <a:p>
             <a:fld id="{E90ED720-0104-4369-84BC-D37694168613}" type="datetimeFigureOut">
               <a:rPr kumimoji="1" lang="ja-JP" altLang="en-US" smtClean="0"/>
-              <a:t>2017/4/7</a:t>
+              <a:t>2017/4/8</a:t>
             </a:fld>
             <a:endParaRPr kumimoji="1" lang="ja-JP" altLang="en-US"/>
           </a:p>
@@ -1628,7 +1628,7 @@
           <a:p>
             <a:fld id="{E90ED720-0104-4369-84BC-D37694168613}" type="datetimeFigureOut">
               <a:rPr kumimoji="1" lang="ja-JP" altLang="en-US" smtClean="0"/>
-              <a:t>2017/4/7</a:t>
+              <a:t>2017/4/8</a:t>
             </a:fld>
             <a:endParaRPr kumimoji="1" lang="ja-JP" altLang="en-US"/>
           </a:p>
@@ -1874,7 +1874,7 @@
           <a:p>
             <a:fld id="{E90ED720-0104-4369-84BC-D37694168613}" type="datetimeFigureOut">
               <a:rPr kumimoji="1" lang="ja-JP" altLang="en-US" smtClean="0"/>
-              <a:t>2017/4/7</a:t>
+              <a:t>2017/4/8</a:t>
             </a:fld>
             <a:endParaRPr kumimoji="1" lang="ja-JP" altLang="en-US"/>
           </a:p>
@@ -2226,7 +2226,7 @@
           <a:p>
             <a:fld id="{E90ED720-0104-4369-84BC-D37694168613}" type="datetimeFigureOut">
               <a:rPr kumimoji="1" lang="ja-JP" altLang="en-US" smtClean="0"/>
-              <a:t>2017/4/7</a:t>
+              <a:t>2017/4/8</a:t>
             </a:fld>
             <a:endParaRPr kumimoji="1" lang="ja-JP" altLang="en-US"/>
           </a:p>
@@ -2712,7 +2712,7 @@
           <a:p>
             <a:fld id="{E90ED720-0104-4369-84BC-D37694168613}" type="datetimeFigureOut">
               <a:rPr kumimoji="1" lang="ja-JP" altLang="en-US" smtClean="0"/>
-              <a:t>2017/4/7</a:t>
+              <a:t>2017/4/8</a:t>
             </a:fld>
             <a:endParaRPr kumimoji="1" lang="ja-JP" altLang="en-US"/>
           </a:p>
@@ -2830,7 +2830,7 @@
           <a:p>
             <a:fld id="{E90ED720-0104-4369-84BC-D37694168613}" type="datetimeFigureOut">
               <a:rPr kumimoji="1" lang="ja-JP" altLang="en-US" smtClean="0"/>
-              <a:t>2017/4/7</a:t>
+              <a:t>2017/4/8</a:t>
             </a:fld>
             <a:endParaRPr kumimoji="1" lang="ja-JP" altLang="en-US"/>
           </a:p>
@@ -2925,7 +2925,7 @@
           <a:p>
             <a:fld id="{E90ED720-0104-4369-84BC-D37694168613}" type="datetimeFigureOut">
               <a:rPr kumimoji="1" lang="ja-JP" altLang="en-US" smtClean="0"/>
-              <a:t>2017/4/7</a:t>
+              <a:t>2017/4/8</a:t>
             </a:fld>
             <a:endParaRPr kumimoji="1" lang="ja-JP" altLang="en-US"/>
           </a:p>
@@ -3234,7 +3234,7 @@
           <a:p>
             <a:fld id="{E90ED720-0104-4369-84BC-D37694168613}" type="datetimeFigureOut">
               <a:rPr kumimoji="1" lang="ja-JP" altLang="en-US" smtClean="0"/>
-              <a:t>2017/4/7</a:t>
+              <a:t>2017/4/8</a:t>
             </a:fld>
             <a:endParaRPr kumimoji="1" lang="ja-JP" altLang="en-US"/>
           </a:p>
@@ -3487,7 +3487,7 @@
           <a:p>
             <a:fld id="{E90ED720-0104-4369-84BC-D37694168613}" type="datetimeFigureOut">
               <a:rPr kumimoji="1" lang="ja-JP" altLang="en-US" smtClean="0"/>
-              <a:t>2017/4/7</a:t>
+              <a:t>2017/4/8</a:t>
             </a:fld>
             <a:endParaRPr kumimoji="1" lang="ja-JP" altLang="en-US"/>
           </a:p>
@@ -3732,7 +3732,7 @@
           <a:p>
             <a:fld id="{E90ED720-0104-4369-84BC-D37694168613}" type="datetimeFigureOut">
               <a:rPr kumimoji="1" lang="ja-JP" altLang="en-US" smtClean="0"/>
-              <a:t>2017/4/7</a:t>
+              <a:t>2017/4/8</a:t>
             </a:fld>
             <a:endParaRPr kumimoji="1" lang="ja-JP" altLang="en-US"/>
           </a:p>
@@ -17778,12 +17778,20 @@
             <a:p>
               <a:pPr algn="ctr"/>
               <a:r>
+                <a:rPr lang="en-US" altLang="ja-JP" sz="1800" b="1" kern="0" dirty="0" smtClean="0">
+                  <a:solidFill>
+                    <a:schemeClr val="tx1"/>
+                  </a:solidFill>
+                </a:rPr>
+                <a:t>NoC </a:t>
+              </a:r>
+              <a:r>
                 <a:rPr lang="en-US" altLang="ja-JP" sz="1800" b="1" kern="0" dirty="0">
                   <a:solidFill>
                     <a:schemeClr val="tx1"/>
                   </a:solidFill>
                 </a:rPr>
-                <a:t>Network Interface</a:t>
+                <a:t>Interface</a:t>
               </a:r>
               <a:endParaRPr lang="ja-JP" altLang="en-US" sz="1800" b="1" kern="0" dirty="0">
                 <a:solidFill>
